--- a/CSS - PPT/CSS - workshop.pptx
+++ b/CSS - PPT/CSS - workshop.pptx
@@ -210,7 +210,7 @@
           <a:p>
             <a:fld id="{3C2CB84C-0D5F-4262-A593-F75DC3249791}" type="datetimeFigureOut">
               <a:rPr lang="en-IN" smtClean="0"/>
-              <a:t>03-02-2024</a:t>
+              <a:t>09-02-2024</a:t>
             </a:fld>
             <a:endParaRPr lang="en-IN"/>
           </a:p>
@@ -709,7 +709,7 @@
           <a:p>
             <a:fld id="{0B521294-212E-4BC4-943B-3E9D70E01F1B}" type="datetimeFigureOut">
               <a:rPr lang="en-IN" smtClean="0"/>
-              <a:t>03-02-2024</a:t>
+              <a:t>09-02-2024</a:t>
             </a:fld>
             <a:endParaRPr lang="en-IN"/>
           </a:p>
@@ -909,7 +909,7 @@
           <a:p>
             <a:fld id="{0B521294-212E-4BC4-943B-3E9D70E01F1B}" type="datetimeFigureOut">
               <a:rPr lang="en-IN" smtClean="0"/>
-              <a:t>03-02-2024</a:t>
+              <a:t>09-02-2024</a:t>
             </a:fld>
             <a:endParaRPr lang="en-IN"/>
           </a:p>
@@ -1119,7 +1119,7 @@
           <a:p>
             <a:fld id="{0B521294-212E-4BC4-943B-3E9D70E01F1B}" type="datetimeFigureOut">
               <a:rPr lang="en-IN" smtClean="0"/>
-              <a:t>03-02-2024</a:t>
+              <a:t>09-02-2024</a:t>
             </a:fld>
             <a:endParaRPr lang="en-IN"/>
           </a:p>
@@ -1319,7 +1319,7 @@
           <a:p>
             <a:fld id="{0B521294-212E-4BC4-943B-3E9D70E01F1B}" type="datetimeFigureOut">
               <a:rPr lang="en-IN" smtClean="0"/>
-              <a:t>03-02-2024</a:t>
+              <a:t>09-02-2024</a:t>
             </a:fld>
             <a:endParaRPr lang="en-IN"/>
           </a:p>
@@ -1595,7 +1595,7 @@
           <a:p>
             <a:fld id="{0B521294-212E-4BC4-943B-3E9D70E01F1B}" type="datetimeFigureOut">
               <a:rPr lang="en-IN" smtClean="0"/>
-              <a:t>03-02-2024</a:t>
+              <a:t>09-02-2024</a:t>
             </a:fld>
             <a:endParaRPr lang="en-IN"/>
           </a:p>
@@ -1863,7 +1863,7 @@
           <a:p>
             <a:fld id="{0B521294-212E-4BC4-943B-3E9D70E01F1B}" type="datetimeFigureOut">
               <a:rPr lang="en-IN" smtClean="0"/>
-              <a:t>03-02-2024</a:t>
+              <a:t>09-02-2024</a:t>
             </a:fld>
             <a:endParaRPr lang="en-IN"/>
           </a:p>
@@ -2278,7 +2278,7 @@
           <a:p>
             <a:fld id="{0B521294-212E-4BC4-943B-3E9D70E01F1B}" type="datetimeFigureOut">
               <a:rPr lang="en-IN" smtClean="0"/>
-              <a:t>03-02-2024</a:t>
+              <a:t>09-02-2024</a:t>
             </a:fld>
             <a:endParaRPr lang="en-IN"/>
           </a:p>
@@ -2420,7 +2420,7 @@
           <a:p>
             <a:fld id="{0B521294-212E-4BC4-943B-3E9D70E01F1B}" type="datetimeFigureOut">
               <a:rPr lang="en-IN" smtClean="0"/>
-              <a:t>03-02-2024</a:t>
+              <a:t>09-02-2024</a:t>
             </a:fld>
             <a:endParaRPr lang="en-IN"/>
           </a:p>
@@ -2533,7 +2533,7 @@
           <a:p>
             <a:fld id="{0B521294-212E-4BC4-943B-3E9D70E01F1B}" type="datetimeFigureOut">
               <a:rPr lang="en-IN" smtClean="0"/>
-              <a:t>03-02-2024</a:t>
+              <a:t>09-02-2024</a:t>
             </a:fld>
             <a:endParaRPr lang="en-IN"/>
           </a:p>
@@ -2846,7 +2846,7 @@
           <a:p>
             <a:fld id="{0B521294-212E-4BC4-943B-3E9D70E01F1B}" type="datetimeFigureOut">
               <a:rPr lang="en-IN" smtClean="0"/>
-              <a:t>03-02-2024</a:t>
+              <a:t>09-02-2024</a:t>
             </a:fld>
             <a:endParaRPr lang="en-IN"/>
           </a:p>
@@ -3135,7 +3135,7 @@
           <a:p>
             <a:fld id="{0B521294-212E-4BC4-943B-3E9D70E01F1B}" type="datetimeFigureOut">
               <a:rPr lang="en-IN" smtClean="0"/>
-              <a:t>03-02-2024</a:t>
+              <a:t>09-02-2024</a:t>
             </a:fld>
             <a:endParaRPr lang="en-IN"/>
           </a:p>
@@ -3378,7 +3378,7 @@
           <a:p>
             <a:fld id="{0B521294-212E-4BC4-943B-3E9D70E01F1B}" type="datetimeFigureOut">
               <a:rPr lang="en-IN" smtClean="0"/>
-              <a:t>03-02-2024</a:t>
+              <a:t>09-02-2024</a:t>
             </a:fld>
             <a:endParaRPr lang="en-IN"/>
           </a:p>
@@ -8629,7 +8629,7 @@
           <p:nvPr/>
         </p:nvPicPr>
         <p:blipFill rotWithShape="1">
-          <a:blip r:embed="rId4">
+          <a:blip>
             <a:extLst>
               <a:ext uri="{28A0092B-C50C-407E-A947-70E740481C1C}">
                 <a14:useLocalDpi xmlns:a14="http://schemas.microsoft.com/office/drawing/2010/main" val="0"/>
@@ -8748,7 +8748,7 @@
           <p:nvPr/>
         </p:nvPicPr>
         <p:blipFill rotWithShape="1">
-          <a:blip r:embed="rId5">
+          <a:blip r:embed="rId4">
             <a:extLst>
               <a:ext uri="{28A0092B-C50C-407E-A947-70E740481C1C}">
                 <a14:useLocalDpi xmlns:a14="http://schemas.microsoft.com/office/drawing/2010/main" val="0"/>
@@ -8783,7 +8783,7 @@
           <p:nvPr/>
         </p:nvPicPr>
         <p:blipFill rotWithShape="1">
-          <a:blip r:embed="rId6">
+          <a:blip r:embed="rId5">
             <a:extLst>
               <a:ext uri="{28A0092B-C50C-407E-A947-70E740481C1C}">
                 <a14:useLocalDpi xmlns:a14="http://schemas.microsoft.com/office/drawing/2010/main" val="0"/>
@@ -17272,7 +17272,7 @@
         </p:blipFill>
         <p:spPr>
           <a:xfrm>
-            <a:off x="9625" y="21859"/>
+            <a:off x="-74351" y="0"/>
             <a:ext cx="12182375" cy="6845766"/>
           </a:xfrm>
           <a:prstGeom prst="rect">
